--- a/ch3_reference/2022__pendampingan/Presentation_2022__Sholikin_Minggu_ke_1.pptx
+++ b/ch3_reference/2022__pendampingan/Presentation_2022__Sholikin_Minggu_ke_1.pptx
@@ -5,7 +5,7 @@
     <p:sldMasterId id="2147483648" r:id="rId4"/>
   </p:sldMasterIdLst>
   <p:notesMasterIdLst>
-    <p:notesMasterId r:id="rId22"/>
+    <p:notesMasterId r:id="rId23"/>
   </p:notesMasterIdLst>
   <p:sldIdLst>
     <p:sldId id="259" r:id="rId5"/>
@@ -19,12 +19,13 @@
     <p:sldId id="270" r:id="rId13"/>
     <p:sldId id="271" r:id="rId14"/>
     <p:sldId id="285" r:id="rId15"/>
-    <p:sldId id="272" r:id="rId16"/>
-    <p:sldId id="273" r:id="rId17"/>
-    <p:sldId id="275" r:id="rId18"/>
-    <p:sldId id="290" r:id="rId19"/>
-    <p:sldId id="283" r:id="rId20"/>
-    <p:sldId id="282" r:id="rId21"/>
+    <p:sldId id="292" r:id="rId16"/>
+    <p:sldId id="272" r:id="rId17"/>
+    <p:sldId id="273" r:id="rId18"/>
+    <p:sldId id="275" r:id="rId19"/>
+    <p:sldId id="290" r:id="rId20"/>
+    <p:sldId id="283" r:id="rId21"/>
+    <p:sldId id="282" r:id="rId22"/>
   </p:sldIdLst>
   <p:sldSz cx="12192000" cy="6858000"/>
   <p:notesSz cx="6858000" cy="9144000"/>
@@ -5229,6 +5230,135 @@
 </file>
 
 <file path=ppt/slides/slide12.xml><?xml version="1.0" encoding="utf-8"?>
+<p:sld xmlns:a="http://schemas.openxmlformats.org/drawingml/2006/main" xmlns:r="http://schemas.openxmlformats.org/officeDocument/2006/relationships" xmlns:p="http://schemas.openxmlformats.org/presentationml/2006/main">
+  <p:cSld>
+    <p:bg>
+      <p:bgPr>
+        <a:solidFill>
+          <a:schemeClr val="bg1"/>
+        </a:solidFill>
+        <a:effectLst/>
+      </p:bgPr>
+    </p:bg>
+    <p:spTree>
+      <p:nvGrpSpPr>
+        <p:cNvPr id="1" name=""/>
+        <p:cNvGrpSpPr/>
+        <p:nvPr/>
+      </p:nvGrpSpPr>
+      <p:grpSpPr>
+        <a:xfrm>
+          <a:off x="0" y="0"/>
+          <a:ext cx="0" cy="0"/>
+          <a:chOff x="0" y="0"/>
+          <a:chExt cx="0" cy="0"/>
+        </a:xfrm>
+      </p:grpSpPr>
+      <p:sp>
+        <p:nvSpPr>
+          <p:cNvPr id="2" name="Title 1">
+            <a:extLst>
+              <a:ext uri="{FF2B5EF4-FFF2-40B4-BE49-F238E27FC236}">
+                <a16:creationId xmlns:a16="http://schemas.microsoft.com/office/drawing/2014/main" id="{F07E19FF-DAD9-4AB4-9D83-993EE9FE6846}"/>
+              </a:ext>
+            </a:extLst>
+          </p:cNvPr>
+          <p:cNvSpPr>
+            <a:spLocks noGrp="1"/>
+          </p:cNvSpPr>
+          <p:nvPr>
+            <p:ph type="title"/>
+          </p:nvPr>
+        </p:nvSpPr>
+        <p:spPr>
+          <a:xfrm>
+            <a:off x="444500" y="412137"/>
+            <a:ext cx="9146972" cy="640080"/>
+          </a:xfrm>
+        </p:spPr>
+        <p:txBody>
+          <a:bodyPr>
+            <a:normAutofit/>
+          </a:bodyPr>
+          <a:lstStyle/>
+          <a:p>
+            <a:r>
+              <a:rPr lang="en-US" dirty="0">
+                <a:latin typeface="Segoe UI Semibold" panose="020B0502040204020203" pitchFamily="34" charset="0"/>
+                <a:cs typeface="Segoe UI Semibold" panose="020B0502040204020203" pitchFamily="34" charset="0"/>
+              </a:rPr>
+              <a:t>2. </a:t>
+            </a:r>
+            <a:r>
+              <a:rPr lang="en-US" dirty="0" err="1">
+                <a:latin typeface="Segoe UI Semibold" panose="020B0502040204020203" pitchFamily="34" charset="0"/>
+                <a:cs typeface="Segoe UI Semibold" panose="020B0502040204020203" pitchFamily="34" charset="0"/>
+              </a:rPr>
+              <a:t>Menelusuri</a:t>
+            </a:r>
+            <a:r>
+              <a:rPr lang="en-US" dirty="0">
+                <a:latin typeface="Segoe UI Semibold" panose="020B0502040204020203" pitchFamily="34" charset="0"/>
+                <a:cs typeface="Segoe UI Semibold" panose="020B0502040204020203" pitchFamily="34" charset="0"/>
+              </a:rPr>
+              <a:t> KTI</a:t>
+            </a:r>
+            <a:endParaRPr lang="en-US" b="1" dirty="0">
+              <a:latin typeface="Segoe UI Semibold" panose="020B0502040204020203" pitchFamily="34" charset="0"/>
+              <a:cs typeface="Segoe UI Semibold" panose="020B0502040204020203" pitchFamily="34" charset="0"/>
+            </a:endParaRPr>
+          </a:p>
+        </p:txBody>
+      </p:sp>
+      <p:pic>
+        <p:nvPicPr>
+          <p:cNvPr id="5" name="Picture 4">
+            <a:extLst>
+              <a:ext uri="{FF2B5EF4-FFF2-40B4-BE49-F238E27FC236}">
+                <a16:creationId xmlns:a16="http://schemas.microsoft.com/office/drawing/2014/main" id="{E2029FE7-BD2B-4C1B-816E-135875AFEE9A}"/>
+              </a:ext>
+            </a:extLst>
+          </p:cNvPr>
+          <p:cNvPicPr>
+            <a:picLocks noChangeAspect="1"/>
+          </p:cNvPicPr>
+          <p:nvPr/>
+        </p:nvPicPr>
+        <p:blipFill rotWithShape="1">
+          <a:blip r:embed="rId2">
+            <a:extLst>
+              <a:ext uri="{28A0092B-C50C-407E-A947-70E740481C1C}">
+                <a14:useLocalDpi xmlns:a14="http://schemas.microsoft.com/office/drawing/2010/main" val="0"/>
+              </a:ext>
+            </a:extLst>
+          </a:blip>
+          <a:srcRect l="19639" t="10803" r="13805" b="8943"/>
+          <a:stretch/>
+        </p:blipFill>
+        <p:spPr>
+          <a:xfrm>
+            <a:off x="3048000" y="1371600"/>
+            <a:ext cx="5638800" cy="4806846"/>
+          </a:xfrm>
+          <a:prstGeom prst="rect">
+            <a:avLst/>
+          </a:prstGeom>
+        </p:spPr>
+      </p:pic>
+    </p:spTree>
+    <p:extLst>
+      <p:ext uri="{BB962C8B-B14F-4D97-AF65-F5344CB8AC3E}">
+        <p14:creationId xmlns:p14="http://schemas.microsoft.com/office/powerpoint/2010/main" val="659899057"/>
+      </p:ext>
+    </p:extLst>
+  </p:cSld>
+  <p:clrMapOvr>
+    <a:masterClrMapping/>
+  </p:clrMapOvr>
+</p:sld>
+</file>
+
+<file path=ppt/slides/slide13.xml><?xml version="1.0" encoding="utf-8"?>
 <p:sld xmlns:a="http://schemas.openxmlformats.org/drawingml/2006/main" xmlns:r="http://schemas.openxmlformats.org/officeDocument/2006/relationships" xmlns:p="http://schemas.openxmlformats.org/presentationml/2006/main">
   <p:cSld>
     <p:bg>
@@ -6202,8 +6332,8 @@
             </a:p>
           </p:txBody>
         </p:sp>
-        <mc:AlternateContent xmlns:mc="http://schemas.openxmlformats.org/markup-compatibility/2006">
-          <mc:Choice xmlns:a14="http://schemas.microsoft.com/office/drawing/2010/main" Requires="a14">
+        <mc:AlternateContent xmlns:mc="http://schemas.openxmlformats.org/markup-compatibility/2006" xmlns:a14="http://schemas.microsoft.com/office/drawing/2010/main">
+          <mc:Choice Requires="a14">
             <p:sp>
               <p:nvSpPr>
                 <p:cNvPr id="5" name="TextBox 4">
@@ -6439,7 +6569,7 @@
               </p:txBody>
             </p:sp>
           </mc:Choice>
-          <mc:Fallback>
+          <mc:Fallback xmlns="">
             <p:sp>
               <p:nvSpPr>
                 <p:cNvPr id="5" name="TextBox 4">
@@ -6484,8 +6614,8 @@
             </p:sp>
           </mc:Fallback>
         </mc:AlternateContent>
-        <mc:AlternateContent xmlns:mc="http://schemas.openxmlformats.org/markup-compatibility/2006">
-          <mc:Choice xmlns:a14="http://schemas.microsoft.com/office/drawing/2010/main" Requires="a14">
+        <mc:AlternateContent xmlns:mc="http://schemas.openxmlformats.org/markup-compatibility/2006" xmlns:a14="http://schemas.microsoft.com/office/drawing/2010/main">
+          <mc:Choice Requires="a14">
             <p:sp>
               <p:nvSpPr>
                 <p:cNvPr id="23" name="TextBox 22">
@@ -6884,7 +7014,7 @@
               </p:txBody>
             </p:sp>
           </mc:Choice>
-          <mc:Fallback>
+          <mc:Fallback xmlns="">
             <p:sp>
               <p:nvSpPr>
                 <p:cNvPr id="23" name="TextBox 22">
@@ -6943,7 +7073,7 @@
 </p:sld>
 </file>
 
-<file path=ppt/slides/slide13.xml><?xml version="1.0" encoding="utf-8"?>
+<file path=ppt/slides/slide14.xml><?xml version="1.0" encoding="utf-8"?>
 <p:sld xmlns:a="http://schemas.openxmlformats.org/drawingml/2006/main" xmlns:r="http://schemas.openxmlformats.org/officeDocument/2006/relationships" xmlns:p="http://schemas.openxmlformats.org/presentationml/2006/main">
   <p:cSld>
     <p:bg>
@@ -7389,7 +7519,7 @@
 </p:sld>
 </file>
 
-<file path=ppt/slides/slide14.xml><?xml version="1.0" encoding="utf-8"?>
+<file path=ppt/slides/slide15.xml><?xml version="1.0" encoding="utf-8"?>
 <p:sld xmlns:a="http://schemas.openxmlformats.org/drawingml/2006/main" xmlns:r="http://schemas.openxmlformats.org/officeDocument/2006/relationships" xmlns:p="http://schemas.openxmlformats.org/presentationml/2006/main">
   <p:cSld>
     <p:bg>
@@ -11191,7 +11321,7 @@
 </p:sld>
 </file>
 
-<file path=ppt/slides/slide15.xml><?xml version="1.0" encoding="utf-8"?>
+<file path=ppt/slides/slide16.xml><?xml version="1.0" encoding="utf-8"?>
 <p:sld xmlns:a="http://schemas.openxmlformats.org/drawingml/2006/main" xmlns:r="http://schemas.openxmlformats.org/officeDocument/2006/relationships" xmlns:p="http://schemas.openxmlformats.org/presentationml/2006/main">
   <p:cSld>
     <p:spTree>
@@ -11431,7 +11561,7 @@
 </p:sld>
 </file>
 
-<file path=ppt/slides/slide16.xml><?xml version="1.0" encoding="utf-8"?>
+<file path=ppt/slides/slide17.xml><?xml version="1.0" encoding="utf-8"?>
 <p:sld xmlns:a="http://schemas.openxmlformats.org/drawingml/2006/main" xmlns:r="http://schemas.openxmlformats.org/officeDocument/2006/relationships" xmlns:p="http://schemas.openxmlformats.org/presentationml/2006/main">
   <p:cSld>
     <p:spTree>
@@ -11831,7 +11961,7 @@
 </p:sld>
 </file>
 
-<file path=ppt/slides/slide17.xml><?xml version="1.0" encoding="utf-8"?>
+<file path=ppt/slides/slide18.xml><?xml version="1.0" encoding="utf-8"?>
 <p:sld xmlns:a="http://schemas.openxmlformats.org/drawingml/2006/main" xmlns:r="http://schemas.openxmlformats.org/officeDocument/2006/relationships" xmlns:p="http://schemas.openxmlformats.org/presentationml/2006/main">
   <p:cSld>
     <p:bg>
@@ -16826,534 +16956,12 @@
           </a:p>
         </p:txBody>
       </p:sp>
-      <p:grpSp>
-        <p:nvGrpSpPr>
-          <p:cNvPr id="9" name="Group 8">
+      <p:pic>
+        <p:nvPicPr>
+          <p:cNvPr id="4" name="Picture 3">
             <a:extLst>
               <a:ext uri="{FF2B5EF4-FFF2-40B4-BE49-F238E27FC236}">
-                <a16:creationId xmlns:a16="http://schemas.microsoft.com/office/drawing/2014/main" id="{4CB41C74-3A11-4F7F-BE81-314263F47431}"/>
-              </a:ext>
-            </a:extLst>
-          </p:cNvPr>
-          <p:cNvGrpSpPr/>
-          <p:nvPr/>
-        </p:nvGrpSpPr>
-        <p:grpSpPr>
-          <a:xfrm>
-            <a:off x="6760346" y="5385999"/>
-            <a:ext cx="3526654" cy="1108622"/>
-            <a:chOff x="4626746" y="4267200"/>
-            <a:chExt cx="3526654" cy="1108622"/>
-          </a:xfrm>
-        </p:grpSpPr>
-        <p:grpSp>
-          <p:nvGrpSpPr>
-            <p:cNvPr id="8" name="Group 7">
-              <a:extLst>
-                <a:ext uri="{FF2B5EF4-FFF2-40B4-BE49-F238E27FC236}">
-                  <a16:creationId xmlns:a16="http://schemas.microsoft.com/office/drawing/2014/main" id="{7F30FC58-62CE-4881-9E45-376C51311F7A}"/>
-                </a:ext>
-              </a:extLst>
-            </p:cNvPr>
-            <p:cNvGrpSpPr/>
-            <p:nvPr/>
-          </p:nvGrpSpPr>
-          <p:grpSpPr>
-            <a:xfrm>
-              <a:off x="4626746" y="4267200"/>
-              <a:ext cx="493917" cy="409838"/>
-              <a:chOff x="2679151" y="3410840"/>
-              <a:chExt cx="493917" cy="409838"/>
-            </a:xfrm>
-          </p:grpSpPr>
-          <p:sp>
-            <p:nvSpPr>
-              <p:cNvPr id="43" name="Oval 42" descr="Small circle">
-                <a:extLst>
-                  <a:ext uri="{FF2B5EF4-FFF2-40B4-BE49-F238E27FC236}">
-                    <a16:creationId xmlns:a16="http://schemas.microsoft.com/office/drawing/2014/main" id="{E3BF4CBA-96D8-844A-846E-482C93C4A9BA}"/>
-                  </a:ext>
-                </a:extLst>
-              </p:cNvPr>
-              <p:cNvSpPr>
-                <a:spLocks noChangeAspect="1"/>
-              </p:cNvSpPr>
-              <p:nvPr/>
-            </p:nvSpPr>
-            <p:spPr bwMode="blackWhite">
-              <a:xfrm>
-                <a:off x="2713764" y="3410840"/>
-                <a:ext cx="409838" cy="409838"/>
-              </a:xfrm>
-              <a:prstGeom prst="ellipse">
-                <a:avLst/>
-              </a:prstGeom>
-              <a:solidFill>
-                <a:srgbClr val="AA0000"/>
-              </a:solidFill>
-              <a:ln>
-                <a:noFill/>
-              </a:ln>
-            </p:spPr>
-            <p:style>
-              <a:lnRef idx="2">
-                <a:schemeClr val="accent1">
-                  <a:shade val="50000"/>
-                </a:schemeClr>
-              </a:lnRef>
-              <a:fillRef idx="1">
-                <a:schemeClr val="accent1"/>
-              </a:fillRef>
-              <a:effectRef idx="0">
-                <a:schemeClr val="accent1"/>
-              </a:effectRef>
-              <a:fontRef idx="minor">
-                <a:schemeClr val="lt1"/>
-              </a:fontRef>
-            </p:style>
-            <p:txBody>
-              <a:bodyPr rtlCol="0" anchor="ctr"/>
-              <a:lstStyle/>
-              <a:p>
-                <a:pPr algn="ctr"/>
-                <a:endParaRPr lang="en-US" dirty="0"/>
-              </a:p>
-            </p:txBody>
-          </p:sp>
-          <p:sp>
-            <p:nvSpPr>
-              <p:cNvPr id="44" name="TextBox 43" descr="Number 2">
-                <a:extLst>
-                  <a:ext uri="{FF2B5EF4-FFF2-40B4-BE49-F238E27FC236}">
-                    <a16:creationId xmlns:a16="http://schemas.microsoft.com/office/drawing/2014/main" id="{4EE65486-1766-B74A-9043-DE141DDF4363}"/>
-                  </a:ext>
-                </a:extLst>
-              </p:cNvPr>
-              <p:cNvSpPr txBox="1">
-                <a:spLocks noChangeAspect="1"/>
-              </p:cNvSpPr>
-              <p:nvPr/>
-            </p:nvSpPr>
-            <p:spPr bwMode="blackWhite">
-              <a:xfrm>
-                <a:off x="2679151" y="3417878"/>
-                <a:ext cx="493917" cy="369332"/>
-              </a:xfrm>
-              <a:prstGeom prst="rect">
-                <a:avLst/>
-              </a:prstGeom>
-              <a:noFill/>
-            </p:spPr>
-            <p:txBody>
-              <a:bodyPr wrap="square" rtlCol="0">
-                <a:spAutoFit/>
-              </a:bodyPr>
-              <a:lstStyle/>
-              <a:p>
-                <a:pPr algn="ctr"/>
-                <a:r>
-                  <a:rPr lang="en-US" dirty="0">
-                    <a:solidFill>
-                      <a:schemeClr val="bg1"/>
-                    </a:solidFill>
-                    <a:cs typeface="Segoe UI Semibold" panose="020B0702040204020203" pitchFamily="34" charset="0"/>
-                  </a:rPr>
-                  <a:t>ii</a:t>
-                </a:r>
-              </a:p>
-            </p:txBody>
-          </p:sp>
-        </p:grpSp>
-        <p:sp>
-          <p:nvSpPr>
-            <p:cNvPr id="15" name="TextBox 14">
-              <a:extLst>
-                <a:ext uri="{FF2B5EF4-FFF2-40B4-BE49-F238E27FC236}">
-                  <a16:creationId xmlns:a16="http://schemas.microsoft.com/office/drawing/2014/main" id="{E7672DD2-4AEF-444E-933C-CBC2B4BD649A}"/>
-                </a:ext>
-              </a:extLst>
-            </p:cNvPr>
-            <p:cNvSpPr txBox="1"/>
-            <p:nvPr/>
-          </p:nvSpPr>
-          <p:spPr>
-            <a:xfrm>
-              <a:off x="5120663" y="4298604"/>
-              <a:ext cx="3032737" cy="1077218"/>
-            </a:xfrm>
-            <a:prstGeom prst="rect">
-              <a:avLst/>
-            </a:prstGeom>
-            <a:noFill/>
-          </p:spPr>
-          <p:txBody>
-            <a:bodyPr wrap="square">
-              <a:spAutoFit/>
-            </a:bodyPr>
-            <a:lstStyle/>
-            <a:p>
-              <a:pPr marL="0" indent="0">
-                <a:spcAft>
-                  <a:spcPts val="1200"/>
-                </a:spcAft>
-                <a:buNone/>
-              </a:pPr>
-              <a:r>
-                <a:rPr lang="en-US" sz="1600" b="1" dirty="0" err="1">
-                  <a:solidFill>
-                    <a:schemeClr val="tx1"/>
-                  </a:solidFill>
-                </a:rPr>
-                <a:t>Seleksi</a:t>
-              </a:r>
-              <a:r>
-                <a:rPr lang="en-US" sz="1600" dirty="0">
-                  <a:solidFill>
-                    <a:schemeClr val="tx1"/>
-                  </a:solidFill>
-                </a:rPr>
-                <a:t>: </a:t>
-              </a:r>
-              <a:r>
-                <a:rPr lang="en-US" sz="1600" b="1" dirty="0" err="1">
-                  <a:solidFill>
-                    <a:schemeClr val="tx1"/>
-                  </a:solidFill>
-                </a:rPr>
-                <a:t>satuan</a:t>
-              </a:r>
-              <a:r>
-                <a:rPr lang="en-US" sz="1600" dirty="0">
-                  <a:solidFill>
-                    <a:schemeClr val="tx1"/>
-                  </a:solidFill>
-                </a:rPr>
-                <a:t> level/</a:t>
-              </a:r>
-              <a:r>
-                <a:rPr lang="en-US" sz="1600" dirty="0" err="1">
-                  <a:solidFill>
-                    <a:schemeClr val="tx1"/>
-                  </a:solidFill>
-                </a:rPr>
-                <a:t>dosis</a:t>
-              </a:r>
-              <a:r>
-                <a:rPr lang="en-US" sz="1600" dirty="0"/>
-                <a:t> </a:t>
-              </a:r>
-              <a:r>
-                <a:rPr lang="en-US" sz="1600" dirty="0" err="1"/>
-                <a:t>tertera</a:t>
-              </a:r>
-              <a:r>
-                <a:rPr lang="en-US" sz="1600" dirty="0"/>
-                <a:t>, </a:t>
-              </a:r>
-              <a:r>
-                <a:rPr lang="en-US" sz="1600" b="1" dirty="0" err="1">
-                  <a:solidFill>
-                    <a:schemeClr val="tx1"/>
-                  </a:solidFill>
-                </a:rPr>
-                <a:t>ternak</a:t>
-              </a:r>
-              <a:r>
-                <a:rPr lang="en-US" sz="1600" dirty="0">
-                  <a:solidFill>
-                    <a:schemeClr val="tx1"/>
-                  </a:solidFill>
-                </a:rPr>
-                <a:t> (</a:t>
-              </a:r>
-              <a:r>
-                <a:rPr lang="en-US" sz="1600" dirty="0" err="1">
-                  <a:solidFill>
-                    <a:schemeClr val="tx1"/>
-                  </a:solidFill>
-                </a:rPr>
-                <a:t>ayam</a:t>
-              </a:r>
-              <a:r>
-                <a:rPr lang="en-US" sz="1600" dirty="0">
-                  <a:solidFill>
-                    <a:schemeClr val="tx1"/>
-                  </a:solidFill>
-                </a:rPr>
-                <a:t> </a:t>
-              </a:r>
-              <a:r>
-                <a:rPr lang="en-US" sz="1600" dirty="0" err="1">
-                  <a:solidFill>
-                    <a:schemeClr val="tx1"/>
-                  </a:solidFill>
-                </a:rPr>
-                <a:t>pedaging</a:t>
-              </a:r>
-              <a:r>
-                <a:rPr lang="en-US" sz="1600" dirty="0">
-                  <a:solidFill>
-                    <a:schemeClr val="tx1"/>
-                  </a:solidFill>
-                </a:rPr>
-                <a:t>/broiler), dan parameter </a:t>
-              </a:r>
-              <a:r>
-                <a:rPr lang="en-US" sz="1600" dirty="0" err="1">
-                  <a:solidFill>
-                    <a:schemeClr val="tx1"/>
-                  </a:solidFill>
-                </a:rPr>
-                <a:t>performa</a:t>
-              </a:r>
-              <a:endParaRPr lang="en-US" sz="1600" dirty="0">
-                <a:solidFill>
-                  <a:schemeClr val="tx1"/>
-                </a:solidFill>
-              </a:endParaRPr>
-            </a:p>
-          </p:txBody>
-        </p:sp>
-      </p:grpSp>
-      <p:grpSp>
-        <p:nvGrpSpPr>
-          <p:cNvPr id="5" name="Group 4">
-            <a:extLst>
-              <a:ext uri="{FF2B5EF4-FFF2-40B4-BE49-F238E27FC236}">
-                <a16:creationId xmlns:a16="http://schemas.microsoft.com/office/drawing/2014/main" id="{C143D41D-BABA-46BD-ADD8-8CC302771079}"/>
-              </a:ext>
-            </a:extLst>
-          </p:cNvPr>
-          <p:cNvGrpSpPr/>
-          <p:nvPr/>
-        </p:nvGrpSpPr>
-        <p:grpSpPr>
-          <a:xfrm>
-            <a:off x="1864817" y="5353507"/>
-            <a:ext cx="3364408" cy="884660"/>
-            <a:chOff x="4645796" y="3048448"/>
-            <a:chExt cx="3364408" cy="884660"/>
-          </a:xfrm>
-        </p:grpSpPr>
-        <p:grpSp>
-          <p:nvGrpSpPr>
-            <p:cNvPr id="7" name="Group 6">
-              <a:extLst>
-                <a:ext uri="{FF2B5EF4-FFF2-40B4-BE49-F238E27FC236}">
-                  <a16:creationId xmlns:a16="http://schemas.microsoft.com/office/drawing/2014/main" id="{C5032E93-4B5C-4DFB-B7E1-B56D7CA121D6}"/>
-                </a:ext>
-              </a:extLst>
-            </p:cNvPr>
-            <p:cNvGrpSpPr/>
-            <p:nvPr/>
-          </p:nvGrpSpPr>
-          <p:grpSpPr>
-            <a:xfrm>
-              <a:off x="4645796" y="3048448"/>
-              <a:ext cx="558179" cy="409838"/>
-              <a:chOff x="2647828" y="2417770"/>
-              <a:chExt cx="558179" cy="409838"/>
-            </a:xfrm>
-          </p:grpSpPr>
-          <p:sp>
-            <p:nvSpPr>
-              <p:cNvPr id="40" name="Oval 39" descr="Small circle">
-                <a:extLst>
-                  <a:ext uri="{FF2B5EF4-FFF2-40B4-BE49-F238E27FC236}">
-                    <a16:creationId xmlns:a16="http://schemas.microsoft.com/office/drawing/2014/main" id="{0C3A28BB-9675-8648-9563-A663628F48F5}"/>
-                  </a:ext>
-                </a:extLst>
-              </p:cNvPr>
-              <p:cNvSpPr>
-                <a:spLocks noChangeAspect="1"/>
-              </p:cNvSpPr>
-              <p:nvPr/>
-            </p:nvSpPr>
-            <p:spPr bwMode="blackWhite">
-              <a:xfrm>
-                <a:off x="2720454" y="2417770"/>
-                <a:ext cx="409838" cy="409838"/>
-              </a:xfrm>
-              <a:prstGeom prst="ellipse">
-                <a:avLst/>
-              </a:prstGeom>
-              <a:solidFill>
-                <a:srgbClr val="AA0000"/>
-              </a:solidFill>
-              <a:ln>
-                <a:noFill/>
-              </a:ln>
-            </p:spPr>
-            <p:style>
-              <a:lnRef idx="2">
-                <a:schemeClr val="accent1">
-                  <a:shade val="50000"/>
-                </a:schemeClr>
-              </a:lnRef>
-              <a:fillRef idx="1">
-                <a:schemeClr val="accent1"/>
-              </a:fillRef>
-              <a:effectRef idx="0">
-                <a:schemeClr val="accent1"/>
-              </a:effectRef>
-              <a:fontRef idx="minor">
-                <a:schemeClr val="lt1"/>
-              </a:fontRef>
-            </p:style>
-            <p:txBody>
-              <a:bodyPr rtlCol="0" anchor="ctr"/>
-              <a:lstStyle/>
-              <a:p>
-                <a:pPr algn="ctr"/>
-                <a:endParaRPr lang="en-US" dirty="0"/>
-              </a:p>
-            </p:txBody>
-          </p:sp>
-          <p:sp>
-            <p:nvSpPr>
-              <p:cNvPr id="41" name="TextBox 40" descr="Number 1">
-                <a:extLst>
-                  <a:ext uri="{FF2B5EF4-FFF2-40B4-BE49-F238E27FC236}">
-                    <a16:creationId xmlns:a16="http://schemas.microsoft.com/office/drawing/2014/main" id="{516D502C-EEB8-7641-9141-D6049BAE3252}"/>
-                  </a:ext>
-                </a:extLst>
-              </p:cNvPr>
-              <p:cNvSpPr txBox="1">
-                <a:spLocks noChangeAspect="1"/>
-              </p:cNvSpPr>
-              <p:nvPr/>
-            </p:nvSpPr>
-            <p:spPr bwMode="blackWhite">
-              <a:xfrm>
-                <a:off x="2647828" y="2434164"/>
-                <a:ext cx="558179" cy="369332"/>
-              </a:xfrm>
-              <a:prstGeom prst="rect">
-                <a:avLst/>
-              </a:prstGeom>
-              <a:noFill/>
-            </p:spPr>
-            <p:txBody>
-              <a:bodyPr wrap="square" rtlCol="0">
-                <a:spAutoFit/>
-              </a:bodyPr>
-              <a:lstStyle/>
-              <a:p>
-                <a:pPr algn="ctr"/>
-                <a:r>
-                  <a:rPr lang="en-US" dirty="0">
-                    <a:solidFill>
-                      <a:schemeClr val="bg1"/>
-                    </a:solidFill>
-                    <a:cs typeface="Segoe UI Semibold" panose="020B0702040204020203" pitchFamily="34" charset="0"/>
-                  </a:rPr>
-                  <a:t>i</a:t>
-                </a:r>
-              </a:p>
-            </p:txBody>
-          </p:sp>
-        </p:grpSp>
-        <p:sp>
-          <p:nvSpPr>
-            <p:cNvPr id="17" name="TextBox 16">
-              <a:extLst>
-                <a:ext uri="{FF2B5EF4-FFF2-40B4-BE49-F238E27FC236}">
-                  <a16:creationId xmlns:a16="http://schemas.microsoft.com/office/drawing/2014/main" id="{411A0635-5495-48B6-B6E3-2C41744E873E}"/>
-                </a:ext>
-              </a:extLst>
-            </p:cNvPr>
-            <p:cNvSpPr txBox="1"/>
-            <p:nvPr/>
-          </p:nvSpPr>
-          <p:spPr>
-            <a:xfrm>
-              <a:off x="5114604" y="3102111"/>
-              <a:ext cx="2895600" cy="830997"/>
-            </a:xfrm>
-            <a:prstGeom prst="rect">
-              <a:avLst/>
-            </a:prstGeom>
-            <a:noFill/>
-          </p:spPr>
-          <p:txBody>
-            <a:bodyPr wrap="square">
-              <a:spAutoFit/>
-            </a:bodyPr>
-            <a:lstStyle/>
-            <a:p>
-              <a:pPr marL="0" indent="0">
-                <a:spcAft>
-                  <a:spcPts val="1200"/>
-                </a:spcAft>
-                <a:buNone/>
-              </a:pPr>
-              <a:r>
-                <a:rPr lang="en-US" sz="1600" b="1" dirty="0" err="1">
-                  <a:solidFill>
-                    <a:schemeClr val="tx1"/>
-                  </a:solidFill>
-                </a:rPr>
-                <a:t>Sumber</a:t>
-              </a:r>
-              <a:r>
-                <a:rPr lang="en-US" sz="1600" dirty="0">
-                  <a:solidFill>
-                    <a:schemeClr val="tx1"/>
-                  </a:solidFill>
-                </a:rPr>
-                <a:t>: Basis data </a:t>
-              </a:r>
-              <a:r>
-                <a:rPr lang="en-US" sz="1600" b="1" dirty="0" err="1">
-                  <a:solidFill>
-                    <a:schemeClr val="tx1"/>
-                  </a:solidFill>
-                </a:rPr>
-                <a:t>scopus</a:t>
-              </a:r>
-              <a:r>
-                <a:rPr lang="en-US" sz="1600" dirty="0"/>
-                <a:t> </a:t>
-              </a:r>
-              <a:r>
-                <a:rPr lang="en-US" sz="1600" dirty="0">
-                  <a:sym typeface="Wingdings" panose="05000000000000000000" pitchFamily="2" charset="2"/>
-                </a:rPr>
-                <a:t> google </a:t>
-              </a:r>
-              <a:r>
-                <a:rPr lang="en-US" sz="1600" b="1" dirty="0">
-                  <a:sym typeface="Wingdings" panose="05000000000000000000" pitchFamily="2" charset="2"/>
-                </a:rPr>
-                <a:t>scholar</a:t>
-              </a:r>
-              <a:r>
-                <a:rPr lang="en-US" sz="1600" dirty="0">
-                  <a:sym typeface="Wingdings" panose="05000000000000000000" pitchFamily="2" charset="2"/>
-                </a:rPr>
-                <a:t> dan </a:t>
-              </a:r>
-              <a:r>
-                <a:rPr lang="en-US" sz="1600" b="1" dirty="0">
-                  <a:sym typeface="Wingdings" panose="05000000000000000000" pitchFamily="2" charset="2"/>
-                </a:rPr>
-                <a:t>science direct</a:t>
-              </a:r>
-              <a:endParaRPr lang="en-US" sz="1600" b="1" dirty="0">
-                <a:solidFill>
-                  <a:schemeClr val="tx1"/>
-                </a:solidFill>
-              </a:endParaRPr>
-            </a:p>
-          </p:txBody>
-        </p:sp>
-      </p:grpSp>
-      <p:pic>
-        <p:nvPicPr>
-          <p:cNvPr id="11" name="Picture 10">
-            <a:extLst>
-              <a:ext uri="{FF2B5EF4-FFF2-40B4-BE49-F238E27FC236}">
-                <a16:creationId xmlns:a16="http://schemas.microsoft.com/office/drawing/2014/main" id="{3DF8094A-7669-409B-988E-64D66E0C697E}"/>
+                <a16:creationId xmlns:a16="http://schemas.microsoft.com/office/drawing/2014/main" id="{50858F3F-9B77-485D-A53E-22D69ABF7006}"/>
               </a:ext>
             </a:extLst>
           </p:cNvPr>
@@ -17370,13 +16978,13 @@
               </a:ext>
             </a:extLst>
           </a:blip>
-          <a:srcRect l="13253" t="26009" r="13253" b="26009"/>
+          <a:srcRect l="27623" t="12404" r="27220" b="12040"/>
           <a:stretch/>
         </p:blipFill>
         <p:spPr>
           <a:xfrm>
-            <a:off x="1981200" y="1524000"/>
-            <a:ext cx="7924800" cy="3657600"/>
+            <a:off x="3657600" y="1371600"/>
+            <a:ext cx="4380515" cy="5181600"/>
           </a:xfrm>
           <a:prstGeom prst="rect">
             <a:avLst/>
@@ -18188,13 +17796,13 @@
               </a:ext>
             </a:extLst>
           </a:blip>
-          <a:srcRect l="23785" t="13446" r="23717" b="14071"/>
+          <a:srcRect l="24844" t="13306" r="24602" b="12499"/>
           <a:stretch/>
         </p:blipFill>
         <p:spPr>
           <a:xfrm>
-            <a:off x="933347" y="1208089"/>
-            <a:ext cx="5366052" cy="5237774"/>
+            <a:off x="951788" y="1295400"/>
+            <a:ext cx="5273407" cy="5471436"/>
           </a:xfrm>
           <a:prstGeom prst="rect">
             <a:avLst/>
@@ -19559,34 +19167,6 @@
 </file>
 
 <file path=customXml/item1.xml><?xml version="1.0" encoding="utf-8"?>
-<p:properties xmlns:p="http://schemas.microsoft.com/office/2006/metadata/properties" xmlns:xsi="http://www.w3.org/2001/XMLSchema-instance" xmlns:pc="http://schemas.microsoft.com/office/infopath/2007/PartnerControls">
-  <documentManagement>
-    <Status xmlns="71af3243-3dd4-4a8d-8c0d-dd76da1f02a5">Not started</Status>
-    <_ip_UnifiedCompliancePolicyUIAction xmlns="http://schemas.microsoft.com/sharepoint/v3" xsi:nil="true"/>
-    <Image xmlns="71af3243-3dd4-4a8d-8c0d-dd76da1f02a5">
-      <Url xsi:nil="true"/>
-      <Description xsi:nil="true"/>
-    </Image>
-    <_ip_UnifiedCompliancePolicyProperties xmlns="http://schemas.microsoft.com/sharepoint/v3" xsi:nil="true"/>
-    <ImageTagsTaxHTField xmlns="71af3243-3dd4-4a8d-8c0d-dd76da1f02a5">
-      <Terms xmlns="http://schemas.microsoft.com/office/infopath/2007/PartnerControls"/>
-    </ImageTagsTaxHTField>
-    <TaxCatchAll xmlns="230e9df3-be65-4c73-a93b-d1236ebd677e"/>
-    <MediaServiceKeyPoints xmlns="71af3243-3dd4-4a8d-8c0d-dd76da1f02a5" xsi:nil="true"/>
-  </documentManagement>
-</p:properties>
-</file>
-
-<file path=customXml/item2.xml><?xml version="1.0" encoding="utf-8"?>
-<?mso-contentType ?>
-<FormTemplates xmlns="http://schemas.microsoft.com/sharepoint/v3/contenttype/forms">
-  <Display>DocumentLibraryForm</Display>
-  <Edit>DocumentLibraryForm</Edit>
-  <New>DocumentLibraryForm</New>
-</FormTemplates>
-</file>
-
-<file path=customXml/item3.xml><?xml version="1.0" encoding="utf-8"?>
 <ct:contentTypeSchema xmlns:ct="http://schemas.microsoft.com/office/2006/metadata/contentType" xmlns:ma="http://schemas.microsoft.com/office/2006/metadata/properties/metaAttributes" ct:_="" ma:_="" ma:contentTypeName="Document" ma:contentTypeID="0x01010079F111ED35F8CC479449609E8A0923A6" ma:contentTypeVersion="20" ma:contentTypeDescription="Create a new document." ma:contentTypeScope="" ma:versionID="1267097ee5f5874adfcc408041ae252e">
   <xsd:schema xmlns:xsd="http://www.w3.org/2001/XMLSchema" xmlns:xs="http://www.w3.org/2001/XMLSchema" xmlns:p="http://schemas.microsoft.com/office/2006/metadata/properties" xmlns:ns1="http://schemas.microsoft.com/sharepoint/v3" xmlns:ns2="71af3243-3dd4-4a8d-8c0d-dd76da1f02a5" xmlns:ns3="16c05727-aa75-4e4a-9b5f-8a80a1165891" xmlns:ns4="230e9df3-be65-4c73-a93b-d1236ebd677e" targetNamespace="http://schemas.microsoft.com/office/2006/metadata/properties" ma:root="true" ma:fieldsID="395891a93df65b14727750f2c06c306c" ns1:_="" ns2:_="" ns3:_="" ns4:_="">
     <xsd:import namespace="http://schemas.microsoft.com/sharepoint/v3"/>
@@ -19862,34 +19442,35 @@
 </ct:contentTypeSchema>
 </file>
 
-<file path=customXml/itemProps1.xml><?xml version="1.0" encoding="utf-8"?>
-<ds:datastoreItem xmlns:ds="http://schemas.openxmlformats.org/officeDocument/2006/customXml" ds:itemID="{1C44B501-5DE1-46D9-B449-400C46FE1425}">
-  <ds:schemaRefs>
-    <ds:schemaRef ds:uri="http://purl.org/dc/terms/"/>
-    <ds:schemaRef ds:uri="http://schemas.openxmlformats.org/package/2006/metadata/core-properties"/>
-    <ds:schemaRef ds:uri="http://purl.org/dc/dcmitype/"/>
-    <ds:schemaRef ds:uri="http://schemas.microsoft.com/office/infopath/2007/PartnerControls"/>
-    <ds:schemaRef ds:uri="http://purl.org/dc/elements/1.1/"/>
-    <ds:schemaRef ds:uri="http://schemas.microsoft.com/office/2006/metadata/properties"/>
-    <ds:schemaRef ds:uri="71af3243-3dd4-4a8d-8c0d-dd76da1f02a5"/>
-    <ds:schemaRef ds:uri="230e9df3-be65-4c73-a93b-d1236ebd677e"/>
-    <ds:schemaRef ds:uri="http://schemas.microsoft.com/office/2006/documentManagement/types"/>
-    <ds:schemaRef ds:uri="16c05727-aa75-4e4a-9b5f-8a80a1165891"/>
-    <ds:schemaRef ds:uri="http://schemas.microsoft.com/sharepoint/v3"/>
-    <ds:schemaRef ds:uri="http://www.w3.org/XML/1998/namespace"/>
-  </ds:schemaRefs>
-</ds:datastoreItem>
+<file path=customXml/item2.xml><?xml version="1.0" encoding="utf-8"?>
+<?mso-contentType ?>
+<FormTemplates xmlns="http://schemas.microsoft.com/sharepoint/v3/contenttype/forms">
+  <Display>DocumentLibraryForm</Display>
+  <Edit>DocumentLibraryForm</Edit>
+  <New>DocumentLibraryForm</New>
+</FormTemplates>
 </file>
 
-<file path=customXml/itemProps2.xml><?xml version="1.0" encoding="utf-8"?>
-<ds:datastoreItem xmlns:ds="http://schemas.openxmlformats.org/officeDocument/2006/customXml" ds:itemID="{77DD0DBF-30B2-4FC6-A5E7-8374DC718037}">
-  <ds:schemaRefs>
-    <ds:schemaRef ds:uri="http://schemas.microsoft.com/sharepoint/v3/contenttype/forms"/>
-  </ds:schemaRefs>
-</ds:datastoreItem>
+<file path=customXml/item3.xml><?xml version="1.0" encoding="utf-8"?>
+<p:properties xmlns:p="http://schemas.microsoft.com/office/2006/metadata/properties" xmlns:xsi="http://www.w3.org/2001/XMLSchema-instance" xmlns:pc="http://schemas.microsoft.com/office/infopath/2007/PartnerControls">
+  <documentManagement>
+    <Status xmlns="71af3243-3dd4-4a8d-8c0d-dd76da1f02a5">Not started</Status>
+    <_ip_UnifiedCompliancePolicyUIAction xmlns="http://schemas.microsoft.com/sharepoint/v3" xsi:nil="true"/>
+    <Image xmlns="71af3243-3dd4-4a8d-8c0d-dd76da1f02a5">
+      <Url xsi:nil="true"/>
+      <Description xsi:nil="true"/>
+    </Image>
+    <_ip_UnifiedCompliancePolicyProperties xmlns="http://schemas.microsoft.com/sharepoint/v3" xsi:nil="true"/>
+    <ImageTagsTaxHTField xmlns="71af3243-3dd4-4a8d-8c0d-dd76da1f02a5">
+      <Terms xmlns="http://schemas.microsoft.com/office/infopath/2007/PartnerControls"/>
+    </ImageTagsTaxHTField>
+    <TaxCatchAll xmlns="230e9df3-be65-4c73-a93b-d1236ebd677e"/>
+    <MediaServiceKeyPoints xmlns="71af3243-3dd4-4a8d-8c0d-dd76da1f02a5" xsi:nil="true"/>
+  </documentManagement>
+</p:properties>
 </file>
 
-<file path=customXml/itemProps3.xml><?xml version="1.0" encoding="utf-8"?>
+<file path=customXml/itemProps1.xml><?xml version="1.0" encoding="utf-8"?>
 <ds:datastoreItem xmlns:ds="http://schemas.openxmlformats.org/officeDocument/2006/customXml" ds:itemID="{B2A44EB6-3BD3-4FF9-B8D1-D973C54C3ED7}">
   <ds:schemaRefs>
     <ds:schemaRef ds:uri="http://schemas.microsoft.com/office/2006/metadata/contentType"/>
@@ -19910,6 +19491,33 @@
 </ds:datastoreItem>
 </file>
 
+<file path=customXml/itemProps2.xml><?xml version="1.0" encoding="utf-8"?>
+<ds:datastoreItem xmlns:ds="http://schemas.openxmlformats.org/officeDocument/2006/customXml" ds:itemID="{77DD0DBF-30B2-4FC6-A5E7-8374DC718037}">
+  <ds:schemaRefs>
+    <ds:schemaRef ds:uri="http://schemas.microsoft.com/sharepoint/v3/contenttype/forms"/>
+  </ds:schemaRefs>
+</ds:datastoreItem>
+</file>
+
+<file path=customXml/itemProps3.xml><?xml version="1.0" encoding="utf-8"?>
+<ds:datastoreItem xmlns:ds="http://schemas.openxmlformats.org/officeDocument/2006/customXml" ds:itemID="{1C44B501-5DE1-46D9-B449-400C46FE1425}">
+  <ds:schemaRefs>
+    <ds:schemaRef ds:uri="http://purl.org/dc/terms/"/>
+    <ds:schemaRef ds:uri="http://schemas.openxmlformats.org/package/2006/metadata/core-properties"/>
+    <ds:schemaRef ds:uri="http://purl.org/dc/dcmitype/"/>
+    <ds:schemaRef ds:uri="http://schemas.microsoft.com/office/infopath/2007/PartnerControls"/>
+    <ds:schemaRef ds:uri="http://purl.org/dc/elements/1.1/"/>
+    <ds:schemaRef ds:uri="http://schemas.microsoft.com/office/2006/metadata/properties"/>
+    <ds:schemaRef ds:uri="71af3243-3dd4-4a8d-8c0d-dd76da1f02a5"/>
+    <ds:schemaRef ds:uri="230e9df3-be65-4c73-a93b-d1236ebd677e"/>
+    <ds:schemaRef ds:uri="http://schemas.microsoft.com/office/2006/documentManagement/types"/>
+    <ds:schemaRef ds:uri="16c05727-aa75-4e4a-9b5f-8a80a1165891"/>
+    <ds:schemaRef ds:uri="http://schemas.microsoft.com/sharepoint/v3"/>
+    <ds:schemaRef ds:uri="http://www.w3.org/XML/1998/namespace"/>
+  </ds:schemaRefs>
+</ds:datastoreItem>
+</file>
+
 <file path=docMetadata/LabelInfo.xml><?xml version="1.0" encoding="utf-8"?>
 <clbl:labelList xmlns:clbl="http://schemas.microsoft.com/office/2020/mipLabelMetadata">
   <clbl:label id="{f42aa342-8706-4288-bd11-ebb85995028c}" enabled="1" method="Standard" siteId="{72f988bf-86f1-41af-91ab-2d7cd011db47}" removed="0"/>
